--- a/inter-DC-WAN-V3.pptx
+++ b/inter-DC-WAN-V3.pptx
@@ -4250,7 +4250,7 @@
         </p:nvSpPr>
         <p:spPr>
           <a:xfrm>
-            <a:off x="8307823" y="1013362"/>
+            <a:off x="8246863" y="1013362"/>
             <a:ext cx="2239716" cy="523220"/>
           </a:xfrm>
           <a:prstGeom prst="rect">
